--- a/새 Microsoft PowerPoint 프레젠테이션.pptx
+++ b/새 Microsoft PowerPoint 프레젠테이션.pptx
@@ -246,7 +246,7 @@
           <a:p>
             <a:fld id="{47972100-914E-459F-8E72-E7B14E4E8A8E}" type="datetimeFigureOut">
               <a:rPr lang="ko-KR" altLang="en-US" smtClean="0"/>
-              <a:t>2023-06-10</a:t>
+              <a:t>2023-06-17</a:t>
             </a:fld>
             <a:endParaRPr lang="ko-KR" altLang="en-US"/>
           </a:p>
@@ -416,7 +416,7 @@
           <a:p>
             <a:fld id="{47972100-914E-459F-8E72-E7B14E4E8A8E}" type="datetimeFigureOut">
               <a:rPr lang="ko-KR" altLang="en-US" smtClean="0"/>
-              <a:t>2023-06-10</a:t>
+              <a:t>2023-06-17</a:t>
             </a:fld>
             <a:endParaRPr lang="ko-KR" altLang="en-US"/>
           </a:p>
@@ -596,7 +596,7 @@
           <a:p>
             <a:fld id="{47972100-914E-459F-8E72-E7B14E4E8A8E}" type="datetimeFigureOut">
               <a:rPr lang="ko-KR" altLang="en-US" smtClean="0"/>
-              <a:t>2023-06-10</a:t>
+              <a:t>2023-06-17</a:t>
             </a:fld>
             <a:endParaRPr lang="ko-KR" altLang="en-US"/>
           </a:p>
@@ -766,7 +766,7 @@
           <a:p>
             <a:fld id="{47972100-914E-459F-8E72-E7B14E4E8A8E}" type="datetimeFigureOut">
               <a:rPr lang="ko-KR" altLang="en-US" smtClean="0"/>
-              <a:t>2023-06-10</a:t>
+              <a:t>2023-06-17</a:t>
             </a:fld>
             <a:endParaRPr lang="ko-KR" altLang="en-US"/>
           </a:p>
@@ -1012,7 +1012,7 @@
           <a:p>
             <a:fld id="{47972100-914E-459F-8E72-E7B14E4E8A8E}" type="datetimeFigureOut">
               <a:rPr lang="ko-KR" altLang="en-US" smtClean="0"/>
-              <a:t>2023-06-10</a:t>
+              <a:t>2023-06-17</a:t>
             </a:fld>
             <a:endParaRPr lang="ko-KR" altLang="en-US"/>
           </a:p>
@@ -1244,7 +1244,7 @@
           <a:p>
             <a:fld id="{47972100-914E-459F-8E72-E7B14E4E8A8E}" type="datetimeFigureOut">
               <a:rPr lang="ko-KR" altLang="en-US" smtClean="0"/>
-              <a:t>2023-06-10</a:t>
+              <a:t>2023-06-17</a:t>
             </a:fld>
             <a:endParaRPr lang="ko-KR" altLang="en-US"/>
           </a:p>
@@ -1611,7 +1611,7 @@
           <a:p>
             <a:fld id="{47972100-914E-459F-8E72-E7B14E4E8A8E}" type="datetimeFigureOut">
               <a:rPr lang="ko-KR" altLang="en-US" smtClean="0"/>
-              <a:t>2023-06-10</a:t>
+              <a:t>2023-06-17</a:t>
             </a:fld>
             <a:endParaRPr lang="ko-KR" altLang="en-US"/>
           </a:p>
@@ -1729,7 +1729,7 @@
           <a:p>
             <a:fld id="{47972100-914E-459F-8E72-E7B14E4E8A8E}" type="datetimeFigureOut">
               <a:rPr lang="ko-KR" altLang="en-US" smtClean="0"/>
-              <a:t>2023-06-10</a:t>
+              <a:t>2023-06-17</a:t>
             </a:fld>
             <a:endParaRPr lang="ko-KR" altLang="en-US"/>
           </a:p>
@@ -1824,7 +1824,7 @@
           <a:p>
             <a:fld id="{47972100-914E-459F-8E72-E7B14E4E8A8E}" type="datetimeFigureOut">
               <a:rPr lang="ko-KR" altLang="en-US" smtClean="0"/>
-              <a:t>2023-06-10</a:t>
+              <a:t>2023-06-17</a:t>
             </a:fld>
             <a:endParaRPr lang="ko-KR" altLang="en-US"/>
           </a:p>
@@ -2101,7 +2101,7 @@
           <a:p>
             <a:fld id="{47972100-914E-459F-8E72-E7B14E4E8A8E}" type="datetimeFigureOut">
               <a:rPr lang="ko-KR" altLang="en-US" smtClean="0"/>
-              <a:t>2023-06-10</a:t>
+              <a:t>2023-06-17</a:t>
             </a:fld>
             <a:endParaRPr lang="ko-KR" altLang="en-US"/>
           </a:p>
@@ -2354,7 +2354,7 @@
           <a:p>
             <a:fld id="{47972100-914E-459F-8E72-E7B14E4E8A8E}" type="datetimeFigureOut">
               <a:rPr lang="ko-KR" altLang="en-US" smtClean="0"/>
-              <a:t>2023-06-10</a:t>
+              <a:t>2023-06-17</a:t>
             </a:fld>
             <a:endParaRPr lang="ko-KR" altLang="en-US"/>
           </a:p>
@@ -2567,7 +2567,7 @@
           <a:p>
             <a:fld id="{47972100-914E-459F-8E72-E7B14E4E8A8E}" type="datetimeFigureOut">
               <a:rPr lang="ko-KR" altLang="en-US" smtClean="0"/>
-              <a:t>2023-06-10</a:t>
+              <a:t>2023-06-17</a:t>
             </a:fld>
             <a:endParaRPr lang="ko-KR" altLang="en-US"/>
           </a:p>
@@ -3036,6 +3036,13 @@
   <p:clrMapOvr>
     <a:masterClrMapping/>
   </p:clrMapOvr>
+  <p:timing>
+    <p:tnLst>
+      <p:par>
+        <p:cTn id="1" dur="indefinite" restart="never" nodeType="tmRoot"/>
+      </p:par>
+    </p:tnLst>
+  </p:timing>
 </p:sld>
 </file>
 
@@ -3486,13 +3493,6 @@
               </a:rPr>
               <a:t>사용자들은 그 선수의 성적 데이터를 상호작용적으로 조작하며, 야구에 대한 열정을 더욱 키울 수 있을 것입니다.</a:t>
             </a:r>
-            <a:endParaRPr lang="ko-KR" altLang="ko-KR" dirty="0">
-              <a:solidFill>
-                <a:srgbClr val="000000"/>
-              </a:solidFill>
-              <a:latin typeface="Arial" panose="020B0604020202020204" pitchFamily="34" charset="0"/>
-              <a:ea typeface="Söhne"/>
-            </a:endParaRPr>
           </a:p>
         </p:txBody>
       </p:sp>
